--- a/fall13/slidesF13/prepcheck-oct4.pptx
+++ b/fall13/slidesF13/prepcheck-oct4.pptx
@@ -288,7 +288,7 @@
           <a:p>
             <a:fld id="{594EEEEB-42E0-3241-8E53-6466AB724339}" type="datetimeFigureOut">
               <a:rPr lang="en-US" smtClean="0"/>
-              <a:t>10/2/13</a:t>
+              <a:t>10/3/13</a:t>
             </a:fld>
             <a:endParaRPr lang="en-US"/>
           </a:p>
@@ -458,7 +458,7 @@
           <a:p>
             <a:fld id="{594EEEEB-42E0-3241-8E53-6466AB724339}" type="datetimeFigureOut">
               <a:rPr lang="en-US" smtClean="0"/>
-              <a:t>10/2/13</a:t>
+              <a:t>10/3/13</a:t>
             </a:fld>
             <a:endParaRPr lang="en-US"/>
           </a:p>
@@ -638,7 +638,7 @@
           <a:p>
             <a:fld id="{594EEEEB-42E0-3241-8E53-6466AB724339}" type="datetimeFigureOut">
               <a:rPr lang="en-US" smtClean="0"/>
-              <a:t>10/2/13</a:t>
+              <a:t>10/3/13</a:t>
             </a:fld>
             <a:endParaRPr lang="en-US"/>
           </a:p>
@@ -808,7 +808,7 @@
           <a:p>
             <a:fld id="{594EEEEB-42E0-3241-8E53-6466AB724339}" type="datetimeFigureOut">
               <a:rPr lang="en-US" smtClean="0"/>
-              <a:t>10/2/13</a:t>
+              <a:t>10/3/13</a:t>
             </a:fld>
             <a:endParaRPr lang="en-US"/>
           </a:p>
@@ -1054,7 +1054,7 @@
           <a:p>
             <a:fld id="{594EEEEB-42E0-3241-8E53-6466AB724339}" type="datetimeFigureOut">
               <a:rPr lang="en-US" smtClean="0"/>
-              <a:t>10/2/13</a:t>
+              <a:t>10/3/13</a:t>
             </a:fld>
             <a:endParaRPr lang="en-US"/>
           </a:p>
@@ -1342,7 +1342,7 @@
           <a:p>
             <a:fld id="{594EEEEB-42E0-3241-8E53-6466AB724339}" type="datetimeFigureOut">
               <a:rPr lang="en-US" smtClean="0"/>
-              <a:t>10/2/13</a:t>
+              <a:t>10/3/13</a:t>
             </a:fld>
             <a:endParaRPr lang="en-US"/>
           </a:p>
@@ -1764,7 +1764,7 @@
           <a:p>
             <a:fld id="{594EEEEB-42E0-3241-8E53-6466AB724339}" type="datetimeFigureOut">
               <a:rPr lang="en-US" smtClean="0"/>
-              <a:t>10/2/13</a:t>
+              <a:t>10/3/13</a:t>
             </a:fld>
             <a:endParaRPr lang="en-US"/>
           </a:p>
@@ -1882,7 +1882,7 @@
           <a:p>
             <a:fld id="{594EEEEB-42E0-3241-8E53-6466AB724339}" type="datetimeFigureOut">
               <a:rPr lang="en-US" smtClean="0"/>
-              <a:t>10/2/13</a:t>
+              <a:t>10/3/13</a:t>
             </a:fld>
             <a:endParaRPr lang="en-US"/>
           </a:p>
@@ -1977,7 +1977,7 @@
           <a:p>
             <a:fld id="{594EEEEB-42E0-3241-8E53-6466AB724339}" type="datetimeFigureOut">
               <a:rPr lang="en-US" smtClean="0"/>
-              <a:t>10/2/13</a:t>
+              <a:t>10/3/13</a:t>
             </a:fld>
             <a:endParaRPr lang="en-US"/>
           </a:p>
@@ -2254,7 +2254,7 @@
           <a:p>
             <a:fld id="{594EEEEB-42E0-3241-8E53-6466AB724339}" type="datetimeFigureOut">
               <a:rPr lang="en-US" smtClean="0"/>
-              <a:t>10/2/13</a:t>
+              <a:t>10/3/13</a:t>
             </a:fld>
             <a:endParaRPr lang="en-US"/>
           </a:p>
@@ -2507,7 +2507,7 @@
           <a:p>
             <a:fld id="{594EEEEB-42E0-3241-8E53-6466AB724339}" type="datetimeFigureOut">
               <a:rPr lang="en-US" smtClean="0"/>
-              <a:t>10/2/13</a:t>
+              <a:t>10/3/13</a:t>
             </a:fld>
             <a:endParaRPr lang="en-US"/>
           </a:p>
@@ -2720,7 +2720,7 @@
           <a:p>
             <a:fld id="{594EEEEB-42E0-3241-8E53-6466AB724339}" type="datetimeFigureOut">
               <a:rPr lang="en-US" smtClean="0"/>
-              <a:t>10/2/13</a:t>
+              <a:t>10/3/13</a:t>
             </a:fld>
             <a:endParaRPr lang="en-US"/>
           </a:p>
@@ -3081,6 +3081,17 @@
 <file path=ppt/slides/slide1.xml><?xml version="1.0" encoding="utf-8"?>
 <p:sld xmlns:a="http://schemas.openxmlformats.org/drawingml/2006/main" xmlns:r="http://schemas.openxmlformats.org/officeDocument/2006/relationships" xmlns:p="http://schemas.openxmlformats.org/presentationml/2006/main">
   <p:cSld>
+    <p:bg>
+      <p:bgPr>
+        <a:solidFill>
+          <a:schemeClr val="tx2">
+            <a:lumMod val="20000"/>
+            <a:lumOff val="80000"/>
+          </a:schemeClr>
+        </a:solidFill>
+        <a:effectLst/>
+      </p:bgPr>
+    </p:bg>
     <p:spTree>
       <p:nvGrpSpPr>
         <p:cNvPr id="1" name=""/>
@@ -3107,8 +3118,8 @@
         </p:nvSpPr>
         <p:spPr>
           <a:xfrm>
-            <a:off x="0" y="530734"/>
-            <a:ext cx="9144000" cy="509991"/>
+            <a:off x="971165" y="426147"/>
+            <a:ext cx="7188382" cy="799030"/>
           </a:xfrm>
         </p:spPr>
         <p:txBody>
@@ -3143,32 +3154,39 @@
         </p:nvSpPr>
         <p:spPr>
           <a:xfrm>
-            <a:off x="1371600" y="1931013"/>
-            <a:ext cx="6400800" cy="2938682"/>
+            <a:off x="209179" y="1867649"/>
+            <a:ext cx="8800352" cy="3152589"/>
           </a:xfrm>
         </p:spPr>
         <p:txBody>
           <a:bodyPr>
-            <a:normAutofit/>
+            <a:noAutofit/>
           </a:bodyPr>
           <a:lstStyle/>
           <a:p>
-            <a:pPr marL="514350" indent="-514350" algn="l">
-              <a:buFont typeface="+mj-lt"/>
-              <a:buAutoNum type="arabicPeriod"/>
-            </a:pPr>
-            <a:r>
-              <a:rPr lang="ro-RO" dirty="0" smtClean="0">
+            <a:pPr algn="l"/>
+            <a:r>
+              <a:rPr lang="ro-RO" sz="4800" dirty="0" smtClean="0">
                 <a:solidFill>
                   <a:schemeClr val="tx1"/>
                 </a:solidFill>
                 <a:latin typeface="Comic Sans MS"/>
                 <a:cs typeface="Comic Sans MS"/>
               </a:rPr>
-              <a:t>When is </a:t>
-            </a:r>
-            <a:r>
-              <a:rPr lang="ro-RO" dirty="0" smtClean="0">
+              <a:t>1.When </a:t>
+            </a:r>
+            <a:r>
+              <a:rPr lang="ro-RO" sz="4800" dirty="0" smtClean="0">
+                <a:solidFill>
+                  <a:schemeClr val="tx1"/>
+                </a:solidFill>
+                <a:latin typeface="Comic Sans MS"/>
+                <a:cs typeface="Comic Sans MS"/>
+              </a:rPr>
+              <a:t>is </a:t>
+            </a:r>
+            <a:r>
+              <a:rPr lang="ro-RO" sz="4800" dirty="0" smtClean="0">
                 <a:solidFill>
                   <a:srgbClr val="0000FF"/>
                 </a:solidFill>
@@ -3178,72 +3196,79 @@
               <a:t>k</a:t>
             </a:r>
             <a:r>
-              <a:rPr lang="ro-RO" dirty="0" smtClean="0">
+              <a:rPr lang="ro-RO" sz="4800" dirty="0" smtClean="0">
                 <a:solidFill>
                   <a:schemeClr val="tx1"/>
                 </a:solidFill>
                 <a:latin typeface="Comic Sans MS"/>
                 <a:cs typeface="Comic Sans MS"/>
               </a:rPr>
-              <a:t> cancellable in     , the ring of integers modulo </a:t>
-            </a:r>
-            <a:r>
-              <a:rPr lang="ro-RO" i="1" dirty="0" smtClean="0">
+              <a:t> cancellable </a:t>
+            </a:r>
+            <a:r>
+              <a:rPr lang="ro-RO" sz="4800" dirty="0" smtClean="0">
+                <a:solidFill>
+                  <a:schemeClr val="tx1"/>
+                </a:solidFill>
+                <a:latin typeface="Comic Sans MS"/>
+                <a:cs typeface="Comic Sans MS"/>
+              </a:rPr>
+              <a:t>in    ?</a:t>
+            </a:r>
+          </a:p>
+          <a:p>
+            <a:pPr algn="l"/>
+            <a:r>
+              <a:rPr lang="ro-RO" sz="4800" dirty="0" smtClean="0">
+                <a:solidFill>
+                  <a:schemeClr val="tx1"/>
+                </a:solidFill>
+                <a:latin typeface="Comic Sans MS"/>
+                <a:cs typeface="Comic Sans MS"/>
+              </a:rPr>
+              <a:t> </a:t>
+            </a:r>
+            <a:endParaRPr lang="ro-RO" sz="4800" dirty="0" smtClean="0">
+              <a:solidFill>
+                <a:schemeClr val="tx1"/>
+              </a:solidFill>
+              <a:latin typeface="Comic Sans MS"/>
+              <a:cs typeface="Comic Sans MS"/>
+            </a:endParaRPr>
+          </a:p>
+          <a:p>
+            <a:pPr algn="l"/>
+            <a:r>
+              <a:rPr lang="ro-RO" sz="4800" dirty="0" smtClean="0">
+                <a:solidFill>
+                  <a:schemeClr val="tx1"/>
+                </a:solidFill>
+                <a:latin typeface="Comic Sans MS"/>
+                <a:cs typeface="Comic Sans MS"/>
+              </a:rPr>
+              <a:t>2.Find the inverse of </a:t>
+            </a:r>
+            <a:r>
+              <a:rPr lang="ro-RO" sz="4800" dirty="0" smtClean="0">
                 <a:solidFill>
                   <a:srgbClr val="0000FF"/>
                 </a:solidFill>
                 <a:latin typeface="Comic Sans MS"/>
                 <a:cs typeface="Comic Sans MS"/>
               </a:rPr>
-              <a:t>n</a:t>
-            </a:r>
-            <a:r>
-              <a:rPr lang="ro-RO" dirty="0" smtClean="0">
+              <a:t>4 </a:t>
+            </a:r>
+            <a:r>
+              <a:rPr lang="ro-RO" sz="4800" dirty="0" smtClean="0">
                 <a:solidFill>
                   <a:schemeClr val="tx1"/>
                 </a:solidFill>
                 <a:latin typeface="Comic Sans MS"/>
                 <a:cs typeface="Comic Sans MS"/>
               </a:rPr>
-              <a:t>?</a:t>
-            </a:r>
-          </a:p>
-          <a:p>
-            <a:pPr marL="514350" indent="-514350" algn="l">
-              <a:buFont typeface="+mj-lt"/>
-              <a:buAutoNum type="arabicPeriod"/>
-            </a:pPr>
-            <a:r>
-              <a:rPr lang="ro-RO" dirty="0" smtClean="0">
-                <a:solidFill>
-                  <a:schemeClr val="tx1"/>
-                </a:solidFill>
-                <a:latin typeface="Comic Sans MS"/>
-                <a:cs typeface="Comic Sans MS"/>
-              </a:rPr>
-              <a:t>Find a multiplicative inverse for </a:t>
-            </a:r>
-            <a:r>
-              <a:rPr lang="ro-RO" dirty="0" smtClean="0">
-                <a:solidFill>
-                  <a:srgbClr val="0000FF"/>
-                </a:solidFill>
-                <a:latin typeface="Comic Sans MS"/>
-                <a:cs typeface="Comic Sans MS"/>
-              </a:rPr>
-              <a:t>4</a:t>
-            </a:r>
-            <a:r>
-              <a:rPr lang="ro-RO" dirty="0" smtClean="0">
-                <a:solidFill>
-                  <a:schemeClr val="tx1"/>
-                </a:solidFill>
-                <a:latin typeface="Comic Sans MS"/>
-                <a:cs typeface="Comic Sans MS"/>
-              </a:rPr>
-              <a:t> in      .</a:t>
-            </a:r>
-            <a:endParaRPr lang="en-US" dirty="0">
+              <a:t>in      .</a:t>
+            </a:r>
+            <a:endParaRPr lang="en-US" sz="4800" dirty="0">
               <a:solidFill>
                 <a:schemeClr val="tx1"/>
               </a:solidFill>
@@ -3253,120 +3278,135 @@
           </a:p>
         </p:txBody>
       </p:sp>
-      <p:graphicFrame>
-        <p:nvGraphicFramePr>
-          <p:cNvPr id="4" name="Object 3"/>
-          <p:cNvGraphicFramePr>
-            <a:graphicFrameLocks noChangeAspect="1"/>
-          </p:cNvGraphicFramePr>
-          <p:nvPr>
-            <p:extLst>
-              <p:ext uri="{D42A27DB-BD31-4B8C-83A1-F6EECF244321}">
-                <p14:modId xmlns:p14="http://schemas.microsoft.com/office/powerpoint/2010/main" val="1999101120"/>
-              </p:ext>
-            </p:extLst>
-          </p:nvPr>
-        </p:nvGraphicFramePr>
-        <p:xfrm>
-          <a:off x="6569382" y="1931013"/>
-          <a:ext cx="585230" cy="663261"/>
-        </p:xfrm>
-        <a:graphic>
-          <a:graphicData uri="http://schemas.openxmlformats.org/presentationml/2006/ole">
-            <mc:AlternateContent xmlns:mc="http://schemas.openxmlformats.org/markup-compatibility/2006">
-              <mc:Choice xmlns:v="urn:schemas-microsoft-com:vml" Requires="v">
-                <p:oleObj spid="_x0000_s1037" name="Equation" r:id="rId3" imgW="190500" imgH="215900" progId="Equation.3">
-                  <p:embed/>
-                </p:oleObj>
-              </mc:Choice>
-              <mc:Fallback>
-                <p:oleObj name="Equation" r:id="rId3" imgW="190500" imgH="215900" progId="Equation.3">
-                  <p:embed/>
-                  <p:pic>
-                    <p:nvPicPr>
-                      <p:cNvPr id="0" name=""/>
-                      <p:cNvPicPr/>
-                      <p:nvPr/>
-                    </p:nvPicPr>
-                    <p:blipFill>
-                      <a:blip r:embed="rId4"/>
-                      <a:stretch>
-                        <a:fillRect/>
-                      </a:stretch>
-                    </p:blipFill>
-                    <p:spPr>
-                      <a:xfrm>
-                        <a:off x="6569382" y="1931013"/>
-                        <a:ext cx="585230" cy="663261"/>
-                      </a:xfrm>
-                      <a:prstGeom prst="rect">
-                        <a:avLst/>
-                      </a:prstGeom>
-                    </p:spPr>
-                  </p:pic>
-                </p:oleObj>
-              </mc:Fallback>
-            </mc:AlternateContent>
-          </a:graphicData>
-        </a:graphic>
-      </p:graphicFrame>
-      <p:graphicFrame>
-        <p:nvGraphicFramePr>
-          <p:cNvPr id="5" name="Object 4"/>
-          <p:cNvGraphicFramePr>
-            <a:graphicFrameLocks noChangeAspect="1"/>
-          </p:cNvGraphicFramePr>
-          <p:nvPr>
-            <p:extLst>
-              <p:ext uri="{D42A27DB-BD31-4B8C-83A1-F6EECF244321}">
-                <p14:modId xmlns:p14="http://schemas.microsoft.com/office/powerpoint/2010/main" val="3597941097"/>
-              </p:ext>
-            </p:extLst>
-          </p:nvPr>
-        </p:nvGraphicFramePr>
-        <p:xfrm>
-          <a:off x="3488305" y="4002395"/>
-          <a:ext cx="663575" cy="663575"/>
-        </p:xfrm>
-        <a:graphic>
-          <a:graphicData uri="http://schemas.openxmlformats.org/presentationml/2006/ole">
-            <mc:AlternateContent xmlns:mc="http://schemas.openxmlformats.org/markup-compatibility/2006">
-              <mc:Choice xmlns:v="urn:schemas-microsoft-com:vml" Requires="v">
-                <p:oleObj spid="_x0000_s1038" name="Equation" r:id="rId5" imgW="215900" imgH="215900" progId="Equation.3">
-                  <p:embed/>
-                </p:oleObj>
-              </mc:Choice>
-              <mc:Fallback>
-                <p:oleObj name="Equation" r:id="rId5" imgW="215900" imgH="215900" progId="Equation.3">
-                  <p:embed/>
-                  <p:pic>
-                    <p:nvPicPr>
-                      <p:cNvPr id="0" name=""/>
-                      <p:cNvPicPr/>
-                      <p:nvPr/>
-                    </p:nvPicPr>
-                    <p:blipFill>
-                      <a:blip r:embed="rId6"/>
-                      <a:stretch>
-                        <a:fillRect/>
-                      </a:stretch>
-                    </p:blipFill>
-                    <p:spPr>
-                      <a:xfrm>
-                        <a:off x="3488305" y="4002395"/>
-                        <a:ext cx="663575" cy="663575"/>
-                      </a:xfrm>
-                      <a:prstGeom prst="rect">
-                        <a:avLst/>
-                      </a:prstGeom>
-                    </p:spPr>
-                  </p:pic>
-                </p:oleObj>
-              </mc:Fallback>
-            </mc:AlternateContent>
-          </a:graphicData>
-        </a:graphic>
-      </p:graphicFrame>
+      <p:grpSp>
+        <p:nvGrpSpPr>
+          <p:cNvPr id="7" name="Group 6"/>
+          <p:cNvGrpSpPr/>
+          <p:nvPr/>
+        </p:nvGrpSpPr>
+        <p:grpSpPr>
+          <a:xfrm>
+            <a:off x="7433233" y="1563669"/>
+            <a:ext cx="1343261" cy="3284790"/>
+            <a:chOff x="7239000" y="1010843"/>
+            <a:chExt cx="1343261" cy="3284790"/>
+          </a:xfrm>
+        </p:grpSpPr>
+        <p:graphicFrame>
+          <p:nvGraphicFramePr>
+            <p:cNvPr id="5" name="Object 4"/>
+            <p:cNvGraphicFramePr>
+              <a:graphicFrameLocks noChangeAspect="1"/>
+            </p:cNvGraphicFramePr>
+            <p:nvPr>
+              <p:extLst>
+                <p:ext uri="{D42A27DB-BD31-4B8C-83A1-F6EECF244321}">
+                  <p14:modId xmlns:p14="http://schemas.microsoft.com/office/powerpoint/2010/main" val="840603856"/>
+                </p:ext>
+              </p:extLst>
+            </p:nvPr>
+          </p:nvGraphicFramePr>
+          <p:xfrm>
+            <a:off x="7239000" y="2667000"/>
+            <a:ext cx="1343261" cy="1628633"/>
+          </p:xfrm>
+          <a:graphic>
+            <a:graphicData uri="http://schemas.openxmlformats.org/presentationml/2006/ole">
+              <mc:AlternateContent xmlns:mc="http://schemas.openxmlformats.org/markup-compatibility/2006">
+                <mc:Choice xmlns:v="urn:schemas-microsoft-com:vml" Requires="v">
+                  <p:oleObj spid="_x0000_s1048" name="Equation" r:id="rId3" imgW="241300" imgH="292100" progId="Equation.DSMT4">
+                    <p:embed/>
+                  </p:oleObj>
+                </mc:Choice>
+                <mc:Fallback>
+                  <p:oleObj name="Equation" r:id="rId3" imgW="241300" imgH="292100" progId="Equation.DSMT4">
+                    <p:embed/>
+                    <p:pic>
+                      <p:nvPicPr>
+                        <p:cNvPr id="0" name=""/>
+                        <p:cNvPicPr/>
+                        <p:nvPr/>
+                      </p:nvPicPr>
+                      <p:blipFill>
+                        <a:blip r:embed="rId4"/>
+                        <a:stretch>
+                          <a:fillRect/>
+                        </a:stretch>
+                      </p:blipFill>
+                      <p:spPr>
+                        <a:xfrm>
+                          <a:off x="7239000" y="2667000"/>
+                          <a:ext cx="1343261" cy="1628633"/>
+                        </a:xfrm>
+                        <a:prstGeom prst="rect">
+                          <a:avLst/>
+                        </a:prstGeom>
+                      </p:spPr>
+                    </p:pic>
+                  </p:oleObj>
+                </mc:Fallback>
+              </mc:AlternateContent>
+            </a:graphicData>
+          </a:graphic>
+        </p:graphicFrame>
+        <p:graphicFrame>
+          <p:nvGraphicFramePr>
+            <p:cNvPr id="6" name="Object 5"/>
+            <p:cNvGraphicFramePr>
+              <a:graphicFrameLocks noChangeAspect="1"/>
+            </p:cNvGraphicFramePr>
+            <p:nvPr>
+              <p:extLst>
+                <p:ext uri="{D42A27DB-BD31-4B8C-83A1-F6EECF244321}">
+                  <p14:modId xmlns:p14="http://schemas.microsoft.com/office/powerpoint/2010/main" val="4245119516"/>
+                </p:ext>
+              </p:extLst>
+            </p:nvPr>
+          </p:nvGraphicFramePr>
+          <p:xfrm>
+            <a:off x="7278028" y="1010843"/>
+            <a:ext cx="1042943" cy="1499231"/>
+          </p:xfrm>
+          <a:graphic>
+            <a:graphicData uri="http://schemas.openxmlformats.org/presentationml/2006/ole">
+              <mc:AlternateContent xmlns:mc="http://schemas.openxmlformats.org/markup-compatibility/2006">
+                <mc:Choice xmlns:v="urn:schemas-microsoft-com:vml" Requires="v">
+                  <p:oleObj spid="_x0000_s1049" name="Equation" r:id="rId5" imgW="203200" imgH="292100" progId="Equation.DSMT4">
+                    <p:embed/>
+                  </p:oleObj>
+                </mc:Choice>
+                <mc:Fallback>
+                  <p:oleObj name="Equation" r:id="rId5" imgW="203200" imgH="292100" progId="Equation.DSMT4">
+                    <p:embed/>
+                    <p:pic>
+                      <p:nvPicPr>
+                        <p:cNvPr id="0" name=""/>
+                        <p:cNvPicPr/>
+                        <p:nvPr/>
+                      </p:nvPicPr>
+                      <p:blipFill>
+                        <a:blip r:embed="rId6"/>
+                        <a:stretch>
+                          <a:fillRect/>
+                        </a:stretch>
+                      </p:blipFill>
+                      <p:spPr>
+                        <a:xfrm>
+                          <a:off x="7278028" y="1010843"/>
+                          <a:ext cx="1042943" cy="1499231"/>
+                        </a:xfrm>
+                        <a:prstGeom prst="rect">
+                          <a:avLst/>
+                        </a:prstGeom>
+                      </p:spPr>
+                    </p:pic>
+                  </p:oleObj>
+                </mc:Fallback>
+              </mc:AlternateContent>
+            </a:graphicData>
+          </a:graphic>
+        </p:graphicFrame>
+      </p:grpSp>
     </p:spTree>
     <p:extLst>
       <p:ext uri="{BB962C8B-B14F-4D97-AF65-F5344CB8AC3E}">
